--- a/ITI/TF/Volume1/media/Figure_17.4-6.pptx
+++ b/ITI/TF/Volume1/media/Figure_17.4-6.pptx
@@ -104,6 +104,11 @@
       </a:defRPr>
     </a:lvl9pPr>
   </p:defaultTextStyle>
+  <p:extLst>
+    <p:ext uri="{EFAFB233-063F-42B5-8137-9DF3F51BA10A}">
+      <p15:sldGuideLst xmlns:p15="http://schemas.microsoft.com/office/powerpoint/2012/main"/>
+    </p:ext>
+  </p:extLst>
 </p:presentation>
 </file>
 
@@ -254,7 +259,7 @@
           <a:p>
             <a:fld id="{CDBA494D-A72A-CD40-8821-C20A976E5D4C}" type="datetimeFigureOut">
               <a:rPr lang="en-US" smtClean="0"/>
-              <a:t>8/12/20</a:t>
+              <a:t>8/26/20</a:t>
             </a:fld>
             <a:endParaRPr lang="en-US"/>
           </a:p>
@@ -452,7 +457,7 @@
           <a:p>
             <a:fld id="{CDBA494D-A72A-CD40-8821-C20A976E5D4C}" type="datetimeFigureOut">
               <a:rPr lang="en-US" smtClean="0"/>
-              <a:t>8/12/20</a:t>
+              <a:t>8/26/20</a:t>
             </a:fld>
             <a:endParaRPr lang="en-US"/>
           </a:p>
@@ -660,7 +665,7 @@
           <a:p>
             <a:fld id="{CDBA494D-A72A-CD40-8821-C20A976E5D4C}" type="datetimeFigureOut">
               <a:rPr lang="en-US" smtClean="0"/>
-              <a:t>8/12/20</a:t>
+              <a:t>8/26/20</a:t>
             </a:fld>
             <a:endParaRPr lang="en-US"/>
           </a:p>
@@ -858,7 +863,7 @@
           <a:p>
             <a:fld id="{CDBA494D-A72A-CD40-8821-C20A976E5D4C}" type="datetimeFigureOut">
               <a:rPr lang="en-US" smtClean="0"/>
-              <a:t>8/12/20</a:t>
+              <a:t>8/26/20</a:t>
             </a:fld>
             <a:endParaRPr lang="en-US"/>
           </a:p>
@@ -1133,7 +1138,7 @@
           <a:p>
             <a:fld id="{CDBA494D-A72A-CD40-8821-C20A976E5D4C}" type="datetimeFigureOut">
               <a:rPr lang="en-US" smtClean="0"/>
-              <a:t>8/12/20</a:t>
+              <a:t>8/26/20</a:t>
             </a:fld>
             <a:endParaRPr lang="en-US"/>
           </a:p>
@@ -1398,7 +1403,7 @@
           <a:p>
             <a:fld id="{CDBA494D-A72A-CD40-8821-C20A976E5D4C}" type="datetimeFigureOut">
               <a:rPr lang="en-US" smtClean="0"/>
-              <a:t>8/12/20</a:t>
+              <a:t>8/26/20</a:t>
             </a:fld>
             <a:endParaRPr lang="en-US"/>
           </a:p>
@@ -1810,7 +1815,7 @@
           <a:p>
             <a:fld id="{CDBA494D-A72A-CD40-8821-C20A976E5D4C}" type="datetimeFigureOut">
               <a:rPr lang="en-US" smtClean="0"/>
-              <a:t>8/12/20</a:t>
+              <a:t>8/26/20</a:t>
             </a:fld>
             <a:endParaRPr lang="en-US"/>
           </a:p>
@@ -1951,7 +1956,7 @@
           <a:p>
             <a:fld id="{CDBA494D-A72A-CD40-8821-C20A976E5D4C}" type="datetimeFigureOut">
               <a:rPr lang="en-US" smtClean="0"/>
-              <a:t>8/12/20</a:t>
+              <a:t>8/26/20</a:t>
             </a:fld>
             <a:endParaRPr lang="en-US"/>
           </a:p>
@@ -2064,7 +2069,7 @@
           <a:p>
             <a:fld id="{CDBA494D-A72A-CD40-8821-C20A976E5D4C}" type="datetimeFigureOut">
               <a:rPr lang="en-US" smtClean="0"/>
-              <a:t>8/12/20</a:t>
+              <a:t>8/26/20</a:t>
             </a:fld>
             <a:endParaRPr lang="en-US"/>
           </a:p>
@@ -2375,7 +2380,7 @@
           <a:p>
             <a:fld id="{CDBA494D-A72A-CD40-8821-C20A976E5D4C}" type="datetimeFigureOut">
               <a:rPr lang="en-US" smtClean="0"/>
-              <a:t>8/12/20</a:t>
+              <a:t>8/26/20</a:t>
             </a:fld>
             <a:endParaRPr lang="en-US"/>
           </a:p>
@@ -2663,7 +2668,7 @@
           <a:p>
             <a:fld id="{CDBA494D-A72A-CD40-8821-C20A976E5D4C}" type="datetimeFigureOut">
               <a:rPr lang="en-US" smtClean="0"/>
-              <a:t>8/12/20</a:t>
+              <a:t>8/26/20</a:t>
             </a:fld>
             <a:endParaRPr lang="en-US"/>
           </a:p>
@@ -2904,7 +2909,7 @@
           <a:p>
             <a:fld id="{CDBA494D-A72A-CD40-8821-C20A976E5D4C}" type="datetimeFigureOut">
               <a:rPr lang="en-US" smtClean="0"/>
-              <a:t>8/12/20</a:t>
+              <a:t>8/26/20</a:t>
             </a:fld>
             <a:endParaRPr lang="en-US"/>
           </a:p>
@@ -3323,10 +3328,10 @@
       </p:grpSpPr>
       <p:sp>
         <p:nvSpPr>
-          <p:cNvPr id="4" name="Text Box 6">
-            <a:extLst>
-              <a:ext uri="{FF2B5EF4-FFF2-40B4-BE49-F238E27FC236}">
-                <a16:creationId xmlns:a16="http://schemas.microsoft.com/office/drawing/2014/main" id="{A8FD64B3-10F0-B045-8930-73ADDC41445C}"/>
+          <p:cNvPr id="24" name="Text Box 7">
+            <a:extLst>
+              <a:ext uri="{FF2B5EF4-FFF2-40B4-BE49-F238E27FC236}">
+                <a16:creationId xmlns:a16="http://schemas.microsoft.com/office/drawing/2014/main" id="{57984A95-F37E-264D-8580-F3C7DA104D72}"/>
               </a:ext>
             </a:extLst>
           </p:cNvPr>
@@ -3337,7 +3342,128 @@
         </p:nvSpPr>
         <p:spPr bwMode="auto">
           <a:xfrm>
-            <a:off x="436563" y="38100"/>
+            <a:off x="1181390" y="1349530"/>
+            <a:ext cx="1763713" cy="361950"/>
+          </a:xfrm>
+          <a:prstGeom prst="rect">
+            <a:avLst/>
+          </a:prstGeom>
+          <a:solidFill>
+            <a:srgbClr val="FFFFFF"/>
+          </a:solidFill>
+          <a:ln>
+            <a:noFill/>
+          </a:ln>
+          <a:extLst>
+            <a:ext uri="{91240B29-F687-4F45-9708-019B960494DF}">
+              <a14:hiddenLine xmlns:a14="http://schemas.microsoft.com/office/drawing/2010/main" w="9525">
+                <a:solidFill>
+                  <a:srgbClr val="000000"/>
+                </a:solidFill>
+                <a:miter lim="800000"/>
+                <a:headEnd/>
+                <a:tailEnd/>
+              </a14:hiddenLine>
+            </a:ext>
+          </a:extLst>
+        </p:spPr>
+        <p:txBody>
+          <a:bodyPr vert="horz" wrap="square" lIns="0" tIns="0" rIns="0" bIns="0" numCol="1" anchor="t" anchorCtr="0" compatLnSpc="1">
+            <a:prstTxWarp prst="textNoShape">
+              <a:avLst/>
+            </a:prstTxWarp>
+          </a:bodyPr>
+          <a:lstStyle/>
+          <a:p>
+            <a:pPr marL="0" marR="0" lvl="0" indent="0" algn="l" defTabSz="914400" rtl="0" eaLnBrk="0" fontAlgn="base" latinLnBrk="0" hangingPunct="0">
+              <a:lnSpc>
+                <a:spcPct val="100000"/>
+              </a:lnSpc>
+              <a:spcBef>
+                <a:spcPct val="0"/>
+              </a:spcBef>
+              <a:spcAft>
+                <a:spcPct val="0"/>
+              </a:spcAft>
+              <a:buClrTx/>
+              <a:buSzTx/>
+              <a:buFontTx/>
+              <a:buNone/>
+              <a:tabLst/>
+            </a:pPr>
+            <a:endParaRPr kumimoji="0" lang="en-US" altLang="en-US" sz="1000" b="0" i="0" u="none" strike="noStrike" cap="none" normalizeH="0" baseline="0" dirty="0">
+              <a:ln>
+                <a:noFill/>
+              </a:ln>
+              <a:solidFill>
+                <a:schemeClr val="tx1"/>
+              </a:solidFill>
+              <a:effectLst/>
+              <a:latin typeface="Arial" panose="020B0604020202020204" pitchFamily="34" charset="0"/>
+              <a:ea typeface="Times New Roman" panose="02020603050405020304" pitchFamily="18" charset="0"/>
+            </a:endParaRPr>
+          </a:p>
+          <a:p>
+            <a:pPr marL="0" marR="0" lvl="0" indent="0" algn="l" defTabSz="914400" rtl="0" eaLnBrk="0" fontAlgn="base" latinLnBrk="0" hangingPunct="0">
+              <a:lnSpc>
+                <a:spcPct val="100000"/>
+              </a:lnSpc>
+              <a:spcBef>
+                <a:spcPct val="0"/>
+              </a:spcBef>
+              <a:spcAft>
+                <a:spcPct val="0"/>
+              </a:spcAft>
+              <a:buClrTx/>
+              <a:buSzTx/>
+              <a:buFontTx/>
+              <a:buNone/>
+              <a:tabLst/>
+            </a:pPr>
+            <a:r>
+              <a:rPr kumimoji="0" lang="en-US" altLang="en-US" sz="1000" b="0" i="0" u="none" strike="noStrike" cap="none" normalizeH="0" baseline="0" dirty="0">
+                <a:ln>
+                  <a:noFill/>
+                </a:ln>
+                <a:solidFill>
+                  <a:schemeClr val="tx1"/>
+                </a:solidFill>
+                <a:effectLst/>
+                <a:latin typeface="Arial" panose="020B0604020202020204" pitchFamily="34" charset="0"/>
+                <a:ea typeface="Times New Roman" panose="02020603050405020304" pitchFamily="18" charset="0"/>
+              </a:rPr>
+              <a:t>Retrieve Form  [ITI-34]</a:t>
+            </a:r>
+            <a:endParaRPr kumimoji="0" lang="en-US" altLang="en-US" sz="1800" b="0" i="0" u="none" strike="noStrike" cap="none" normalizeH="0" baseline="0" dirty="0">
+              <a:ln>
+                <a:noFill/>
+              </a:ln>
+              <a:solidFill>
+                <a:schemeClr val="tx1"/>
+              </a:solidFill>
+              <a:effectLst/>
+              <a:latin typeface="Arial" panose="020B0604020202020204" pitchFamily="34" charset="0"/>
+            </a:endParaRPr>
+          </a:p>
+        </p:txBody>
+      </p:sp>
+      <p:sp>
+        <p:nvSpPr>
+          <p:cNvPr id="4" name="Text Box 6">
+            <a:extLst>
+              <a:ext uri="{FF2B5EF4-FFF2-40B4-BE49-F238E27FC236}">
+                <a16:creationId xmlns:a16="http://schemas.microsoft.com/office/drawing/2014/main" id="{A8FD64B3-10F0-B045-8930-73ADDC41445C}"/>
+              </a:ext>
+            </a:extLst>
+          </p:cNvPr>
+          <p:cNvSpPr txBox="1">
+            <a:spLocks noChangeArrowheads="1"/>
+          </p:cNvSpPr>
+          <p:nvPr/>
+        </p:nvSpPr>
+        <p:spPr bwMode="auto">
+          <a:xfrm>
+            <a:off x="480219" y="496174"/>
             <a:ext cx="954087" cy="320675"/>
           </a:xfrm>
           <a:prstGeom prst="rect">
@@ -3386,7 +3512,7 @@
               <a:buNone/>
               <a:tabLst/>
             </a:pPr>
-            <a:endParaRPr kumimoji="0" lang="en-US" altLang="en-US" sz="1000" b="0" i="0" u="none" strike="noStrike" cap="none" normalizeH="0" baseline="0">
+            <a:endParaRPr kumimoji="0" lang="en-US" altLang="en-US" sz="1000" b="0" i="0" u="none" strike="noStrike" cap="none" normalizeH="0" baseline="0" dirty="0">
               <a:ln>
                 <a:noFill/>
               </a:ln>
@@ -3416,7 +3542,7 @@
               <a:tabLst/>
             </a:pPr>
             <a:r>
-              <a:rPr kumimoji="0" lang="en-US" altLang="en-US" sz="1000" b="0" i="0" u="none" strike="noStrike" cap="none" normalizeH="0" baseline="0">
+              <a:rPr kumimoji="0" lang="en-US" altLang="en-US" sz="1000" b="0" i="0" u="none" strike="noStrike" cap="none" normalizeH="0" baseline="0" dirty="0">
                 <a:ln>
                   <a:noFill/>
                 </a:ln>
@@ -3429,7 +3555,7 @@
               </a:rPr>
               <a:t>Form Filler</a:t>
             </a:r>
-            <a:endParaRPr kumimoji="0" lang="en-US" altLang="en-US" sz="1800" b="0" i="0" u="none" strike="noStrike" cap="none" normalizeH="0" baseline="0">
+            <a:endParaRPr kumimoji="0" lang="en-US" altLang="en-US" sz="1800" b="0" i="0" u="none" strike="noStrike" cap="none" normalizeH="0" baseline="0" dirty="0">
               <a:ln>
                 <a:noFill/>
               </a:ln>
@@ -3510,7 +3636,7 @@
         </p:nvSpPr>
         <p:spPr bwMode="auto">
           <a:xfrm>
-            <a:off x="2398713" y="304800"/>
+            <a:off x="2218602" y="678879"/>
             <a:ext cx="944562" cy="320675"/>
           </a:xfrm>
           <a:prstGeom prst="rect">
@@ -3560,7 +3686,7 @@
               <a:tabLst/>
             </a:pPr>
             <a:r>
-              <a:rPr kumimoji="0" lang="en-US" altLang="en-US" sz="1000" b="0" i="0" u="none" strike="noStrike" cap="none" normalizeH="0" baseline="0">
+              <a:rPr kumimoji="0" lang="en-US" altLang="en-US" sz="1000" b="0" i="0" u="none" strike="noStrike" cap="none" normalizeH="0" baseline="0" dirty="0">
                 <a:ln>
                   <a:noFill/>
                 </a:ln>
@@ -3573,7 +3699,7 @@
               </a:rPr>
               <a:t>Form Manager</a:t>
             </a:r>
-            <a:endParaRPr kumimoji="0" lang="en-US" altLang="en-US" sz="1800" b="0" i="0" u="none" strike="noStrike" cap="none" normalizeH="0" baseline="0">
+            <a:endParaRPr kumimoji="0" lang="en-US" altLang="en-US" sz="1800" b="0" i="0" u="none" strike="noStrike" cap="none" normalizeH="0" baseline="0" dirty="0">
               <a:ln>
                 <a:noFill/>
               </a:ln>
@@ -3654,7 +3780,7 @@
         </p:nvSpPr>
         <p:spPr bwMode="auto">
           <a:xfrm>
-            <a:off x="3267075" y="295275"/>
+            <a:off x="3280930" y="516950"/>
             <a:ext cx="915988" cy="320675"/>
           </a:xfrm>
           <a:prstGeom prst="rect">
@@ -3703,7 +3829,7 @@
               <a:buNone/>
               <a:tabLst/>
             </a:pPr>
-            <a:endParaRPr kumimoji="0" lang="en-US" altLang="en-US" sz="1000" b="0" i="0" u="none" strike="noStrike" cap="none" normalizeH="0" baseline="0">
+            <a:endParaRPr kumimoji="0" lang="en-US" altLang="en-US" sz="1000" b="0" i="0" u="none" strike="noStrike" cap="none" normalizeH="0" baseline="0" dirty="0">
               <a:ln>
                 <a:noFill/>
               </a:ln>
@@ -3733,7 +3859,7 @@
               <a:tabLst/>
             </a:pPr>
             <a:r>
-              <a:rPr kumimoji="0" lang="en-US" altLang="en-US" sz="1000" b="0" i="0" u="none" strike="noStrike" cap="none" normalizeH="0" baseline="0">
+              <a:rPr kumimoji="0" lang="en-US" altLang="en-US" sz="1000" b="0" i="0" u="none" strike="noStrike" cap="none" normalizeH="0" baseline="0" dirty="0">
                 <a:ln>
                   <a:noFill/>
                 </a:ln>
@@ -3746,7 +3872,7 @@
               </a:rPr>
               <a:t>Form Receiver</a:t>
             </a:r>
-            <a:endParaRPr kumimoji="0" lang="en-US" altLang="en-US" sz="1000" b="0" i="0" u="none" strike="noStrike" cap="none" normalizeH="0" baseline="0">
+            <a:endParaRPr kumimoji="0" lang="en-US" altLang="en-US" sz="1000" b="0" i="0" u="none" strike="noStrike" cap="none" normalizeH="0" baseline="0" dirty="0">
               <a:ln>
                 <a:noFill/>
               </a:ln>
@@ -3774,7 +3900,7 @@
               <a:buNone/>
               <a:tabLst/>
             </a:pPr>
-            <a:endParaRPr kumimoji="0" lang="en-US" altLang="en-US" sz="1800" b="0" i="0" u="none" strike="noStrike" cap="none" normalizeH="0" baseline="0">
+            <a:endParaRPr kumimoji="0" lang="en-US" altLang="en-US" sz="1800" b="0" i="0" u="none" strike="noStrike" cap="none" normalizeH="0" baseline="0" dirty="0">
               <a:ln>
                 <a:noFill/>
               </a:ln>
@@ -3849,7 +3975,7 @@
         </p:nvSpPr>
         <p:spPr bwMode="auto">
           <a:xfrm>
-            <a:off x="1139825" y="527050"/>
+            <a:off x="1181390" y="998110"/>
             <a:ext cx="1763713" cy="361950"/>
           </a:xfrm>
           <a:prstGeom prst="rect">
@@ -3898,7 +4024,7 @@
               <a:buNone/>
               <a:tabLst/>
             </a:pPr>
-            <a:endParaRPr kumimoji="0" lang="en-US" altLang="en-US" sz="1000" b="0" i="0" u="none" strike="noStrike" cap="none" normalizeH="0" baseline="0">
+            <a:endParaRPr kumimoji="0" lang="en-US" altLang="en-US" sz="1000" b="0" i="0" u="none" strike="noStrike" cap="none" normalizeH="0" baseline="0" dirty="0">
               <a:ln>
                 <a:noFill/>
               </a:ln>
@@ -3928,7 +4054,7 @@
               <a:tabLst/>
             </a:pPr>
             <a:r>
-              <a:rPr kumimoji="0" lang="en-US" altLang="en-US" sz="1000" b="0" i="0" u="none" strike="noStrike" cap="none" normalizeH="0" baseline="0">
+              <a:rPr kumimoji="0" lang="en-US" altLang="en-US" sz="1000" b="0" i="0" u="none" strike="noStrike" cap="none" normalizeH="0" baseline="0" dirty="0">
                 <a:ln>
                   <a:noFill/>
                 </a:ln>
@@ -3941,7 +4067,7 @@
               </a:rPr>
               <a:t>Retrieve Clarifications [ITI-37]</a:t>
             </a:r>
-            <a:endParaRPr kumimoji="0" lang="en-US" altLang="en-US" sz="1800" b="0" i="0" u="none" strike="noStrike" cap="none" normalizeH="0" baseline="0">
+            <a:endParaRPr kumimoji="0" lang="en-US" altLang="en-US" sz="1800" b="0" i="0" u="none" strike="noStrike" cap="none" normalizeH="0" baseline="0" dirty="0">
               <a:ln>
                 <a:noFill/>
               </a:ln>
@@ -4216,8 +4342,8 @@
         </p:nvSpPr>
         <p:spPr bwMode="auto">
           <a:xfrm>
-            <a:off x="2790825" y="495300"/>
-            <a:ext cx="914400" cy="295275"/>
+            <a:off x="2782743" y="316358"/>
+            <a:ext cx="1414175" cy="361950"/>
           </a:xfrm>
           <a:prstGeom prst="rect">
             <a:avLst/>
@@ -4271,7 +4397,7 @@
               <a:tabLst/>
             </a:pPr>
             <a:r>
-              <a:rPr kumimoji="0" lang="en-US" altLang="en-US" sz="1000" b="0" i="0" u="none" strike="noStrike" cap="none" normalizeH="0" baseline="0">
+              <a:rPr kumimoji="0" lang="en-US" altLang="en-US" sz="1000" b="0" i="0" u="none" strike="noStrike" cap="none" normalizeH="0" baseline="0" dirty="0">
                 <a:ln>
                   <a:noFill/>
                 </a:ln>
@@ -4284,7 +4410,7 @@
               </a:rPr>
               <a:t>Form Source</a:t>
             </a:r>
-            <a:endParaRPr kumimoji="0" lang="en-US" altLang="en-US" sz="1800" b="0" i="0" u="none" strike="noStrike" cap="none" normalizeH="0" baseline="0">
+            <a:endParaRPr kumimoji="0" lang="en-US" altLang="en-US" sz="1800" b="0" i="0" u="none" strike="noStrike" cap="none" normalizeH="0" baseline="0" dirty="0">
               <a:ln>
                 <a:noFill/>
               </a:ln>
@@ -4814,6 +4940,134 @@
               <a:t>Submit Form [ITI-35]</a:t>
             </a:r>
             <a:endParaRPr kumimoji="0" lang="en-US" altLang="en-US" sz="1800" b="0" i="0" u="none" strike="noStrike" cap="none" normalizeH="0" baseline="0">
+              <a:ln>
+                <a:noFill/>
+              </a:ln>
+              <a:solidFill>
+                <a:schemeClr val="tx1"/>
+              </a:solidFill>
+              <a:effectLst/>
+              <a:latin typeface="Arial" panose="020B0604020202020204" pitchFamily="34" charset="0"/>
+            </a:endParaRPr>
+          </a:p>
+        </p:txBody>
+      </p:sp>
+      <p:sp>
+        <p:nvSpPr>
+          <p:cNvPr id="25" name="Text Box 7">
+            <a:extLst>
+              <a:ext uri="{FF2B5EF4-FFF2-40B4-BE49-F238E27FC236}">
+                <a16:creationId xmlns:a16="http://schemas.microsoft.com/office/drawing/2014/main" id="{64D6FE7C-D75E-644F-A8BF-02E83F47A211}"/>
+              </a:ext>
+            </a:extLst>
+          </p:cNvPr>
+          <p:cNvSpPr txBox="1">
+            <a:spLocks noChangeArrowheads="1"/>
+          </p:cNvSpPr>
+          <p:nvPr/>
+        </p:nvSpPr>
+        <p:spPr bwMode="auto">
+          <a:xfrm>
+            <a:off x="1212491" y="2066489"/>
+            <a:ext cx="1763713" cy="361950"/>
+          </a:xfrm>
+          <a:prstGeom prst="rect">
+            <a:avLst/>
+          </a:prstGeom>
+          <a:solidFill>
+            <a:srgbClr val="FFFFFF"/>
+          </a:solidFill>
+          <a:ln>
+            <a:noFill/>
+          </a:ln>
+          <a:extLst>
+            <a:ext uri="{91240B29-F687-4F45-9708-019B960494DF}">
+              <a14:hiddenLine xmlns:a14="http://schemas.microsoft.com/office/drawing/2010/main" w="9525">
+                <a:solidFill>
+                  <a:srgbClr val="000000"/>
+                </a:solidFill>
+                <a:miter lim="800000"/>
+                <a:headEnd/>
+                <a:tailEnd/>
+              </a14:hiddenLine>
+            </a:ext>
+          </a:extLst>
+        </p:spPr>
+        <p:txBody>
+          <a:bodyPr vert="horz" wrap="square" lIns="0" tIns="0" rIns="0" bIns="0" numCol="1" anchor="t" anchorCtr="0" compatLnSpc="1">
+            <a:prstTxWarp prst="textNoShape">
+              <a:avLst/>
+            </a:prstTxWarp>
+          </a:bodyPr>
+          <a:lstStyle/>
+          <a:p>
+            <a:pPr marL="0" marR="0" lvl="0" indent="0" algn="l" defTabSz="914400" rtl="0" eaLnBrk="0" fontAlgn="base" latinLnBrk="0" hangingPunct="0">
+              <a:lnSpc>
+                <a:spcPct val="100000"/>
+              </a:lnSpc>
+              <a:spcBef>
+                <a:spcPct val="0"/>
+              </a:spcBef>
+              <a:spcAft>
+                <a:spcPct val="0"/>
+              </a:spcAft>
+              <a:buClrTx/>
+              <a:buSzTx/>
+              <a:buFontTx/>
+              <a:buNone/>
+              <a:tabLst/>
+            </a:pPr>
+            <a:endParaRPr kumimoji="0" lang="en-US" altLang="en-US" sz="1000" b="0" i="0" u="none" strike="noStrike" cap="none" normalizeH="0" baseline="0" dirty="0">
+              <a:ln>
+                <a:noFill/>
+              </a:ln>
+              <a:solidFill>
+                <a:schemeClr val="tx1"/>
+              </a:solidFill>
+              <a:effectLst/>
+              <a:latin typeface="Arial" panose="020B0604020202020204" pitchFamily="34" charset="0"/>
+              <a:ea typeface="Times New Roman" panose="02020603050405020304" pitchFamily="18" charset="0"/>
+            </a:endParaRPr>
+          </a:p>
+          <a:p>
+            <a:pPr marL="0" marR="0" lvl="0" indent="0" algn="l" defTabSz="914400" rtl="0" eaLnBrk="0" fontAlgn="base" latinLnBrk="0" hangingPunct="0">
+              <a:lnSpc>
+                <a:spcPct val="100000"/>
+              </a:lnSpc>
+              <a:spcBef>
+                <a:spcPct val="0"/>
+              </a:spcBef>
+              <a:spcAft>
+                <a:spcPct val="0"/>
+              </a:spcAft>
+              <a:buClrTx/>
+              <a:buSzTx/>
+              <a:buFontTx/>
+              <a:buNone/>
+              <a:tabLst/>
+            </a:pPr>
+            <a:r>
+              <a:rPr lang="en-US" altLang="en-US" sz="1000" dirty="0">
+                <a:latin typeface="Arial" panose="020B0604020202020204" pitchFamily="34" charset="0"/>
+                <a:ea typeface="Times New Roman" panose="02020603050405020304" pitchFamily="18" charset="0"/>
+              </a:rPr>
+              <a:t>Submit Form </a:t>
+            </a:r>
+            <a:r>
+              <a:rPr kumimoji="0" lang="en-US" altLang="en-US" sz="1000" b="0" i="0" u="none" strike="noStrike" cap="none" normalizeH="0" baseline="0" dirty="0">
+                <a:ln>
+                  <a:noFill/>
+                </a:ln>
+                <a:solidFill>
+                  <a:schemeClr val="tx1"/>
+                </a:solidFill>
+                <a:effectLst/>
+                <a:latin typeface="Arial" panose="020B0604020202020204" pitchFamily="34" charset="0"/>
+                <a:ea typeface="Times New Roman" panose="02020603050405020304" pitchFamily="18" charset="0"/>
+              </a:rPr>
+              <a:t> [ITI-35]</a:t>
+            </a:r>
+            <a:endParaRPr kumimoji="0" lang="en-US" altLang="en-US" sz="1800" b="0" i="0" u="none" strike="noStrike" cap="none" normalizeH="0" baseline="0" dirty="0">
               <a:ln>
                 <a:noFill/>
               </a:ln>
